--- a/myDRE/myDRE Template.pptx
+++ b/myDRE/myDRE Template.pptx
@@ -1498,7 +1498,7 @@
         <p:fade thruBlk="1"/>
       </p:transition>
     </mc:Choice>
-    <mc:Fallback xmlns="" xmlns:mv="urn:schemas-microsoft-com:mac:vml" xmlns:c="http://schemas.openxmlformats.org/drawingml/2006/chart" xmlns:dgm="http://schemas.openxmlformats.org/drawingml/2006/diagram" xmlns:o="urn:schemas-microsoft-com:office:office" xmlns:v="urn:schemas-microsoft-com:vml" xmlns:pvml="urn:schemas-microsoft-com:office:powerpoint" xmlns:com="http://schemas.openxmlformats.org/drawingml/2006/compatibility" xmlns:p15="http://schemas.microsoft.com/office/powerpoint/2012/main" xmlns:ahyp="http://schemas.microsoft.com/office/drawing/2018/hyperlinkcolor">
+    <mc:Fallback xmlns:ahyp="http://schemas.microsoft.com/office/drawing/2018/hyperlinkcolor" xmlns:p15="http://schemas.microsoft.com/office/powerpoint/2012/main" xmlns:com="http://schemas.openxmlformats.org/drawingml/2006/compatibility" xmlns:pvml="urn:schemas-microsoft-com:office:powerpoint" xmlns:v="urn:schemas-microsoft-com:vml" xmlns:o="urn:schemas-microsoft-com:office:office" xmlns:dgm="http://schemas.openxmlformats.org/drawingml/2006/diagram" xmlns:c="http://schemas.openxmlformats.org/drawingml/2006/chart" xmlns:mv="urn:schemas-microsoft-com:mac:vml" xmlns="">
       <p:transition spd="slow">
         <p:fade/>
       </p:transition>
@@ -1632,7 +1632,7 @@
         <p:fade thruBlk="1"/>
       </p:transition>
     </mc:Choice>
-    <mc:Fallback xmlns="" xmlns:mv="urn:schemas-microsoft-com:mac:vml" xmlns:c="http://schemas.openxmlformats.org/drawingml/2006/chart" xmlns:dgm="http://schemas.openxmlformats.org/drawingml/2006/diagram" xmlns:o="urn:schemas-microsoft-com:office:office" xmlns:v="urn:schemas-microsoft-com:vml" xmlns:pvml="urn:schemas-microsoft-com:office:powerpoint" xmlns:com="http://schemas.openxmlformats.org/drawingml/2006/compatibility" xmlns:p15="http://schemas.microsoft.com/office/powerpoint/2012/main" xmlns:ahyp="http://schemas.microsoft.com/office/drawing/2018/hyperlinkcolor">
+    <mc:Fallback xmlns:ahyp="http://schemas.microsoft.com/office/drawing/2018/hyperlinkcolor" xmlns:p15="http://schemas.microsoft.com/office/powerpoint/2012/main" xmlns:com="http://schemas.openxmlformats.org/drawingml/2006/compatibility" xmlns:pvml="urn:schemas-microsoft-com:office:powerpoint" xmlns:v="urn:schemas-microsoft-com:vml" xmlns:o="urn:schemas-microsoft-com:office:office" xmlns:dgm="http://schemas.openxmlformats.org/drawingml/2006/diagram" xmlns:c="http://schemas.openxmlformats.org/drawingml/2006/chart" xmlns:mv="urn:schemas-microsoft-com:mac:vml" xmlns="">
       <p:transition spd="slow">
         <p:fade/>
       </p:transition>
@@ -1674,7 +1674,7 @@
         <p:fade thruBlk="1"/>
       </p:transition>
     </mc:Choice>
-    <mc:Fallback xmlns="" xmlns:mv="urn:schemas-microsoft-com:mac:vml" xmlns:c="http://schemas.openxmlformats.org/drawingml/2006/chart" xmlns:dgm="http://schemas.openxmlformats.org/drawingml/2006/diagram" xmlns:o="urn:schemas-microsoft-com:office:office" xmlns:v="urn:schemas-microsoft-com:vml" xmlns:pvml="urn:schemas-microsoft-com:office:powerpoint" xmlns:com="http://schemas.openxmlformats.org/drawingml/2006/compatibility" xmlns:p15="http://schemas.microsoft.com/office/powerpoint/2012/main" xmlns:ahyp="http://schemas.microsoft.com/office/drawing/2018/hyperlinkcolor">
+    <mc:Fallback xmlns:ahyp="http://schemas.microsoft.com/office/drawing/2018/hyperlinkcolor" xmlns:p15="http://schemas.microsoft.com/office/powerpoint/2012/main" xmlns:com="http://schemas.openxmlformats.org/drawingml/2006/compatibility" xmlns:pvml="urn:schemas-microsoft-com:office:powerpoint" xmlns:v="urn:schemas-microsoft-com:vml" xmlns:o="urn:schemas-microsoft-com:office:office" xmlns:dgm="http://schemas.openxmlformats.org/drawingml/2006/diagram" xmlns:c="http://schemas.openxmlformats.org/drawingml/2006/chart" xmlns:mv="urn:schemas-microsoft-com:mac:vml" xmlns="">
       <p:transition spd="slow">
         <p:fade/>
       </p:transition>
@@ -2196,7 +2196,7 @@
         <p:fade thruBlk="1"/>
       </p:transition>
     </mc:Choice>
-    <mc:Fallback xmlns="" xmlns:mv="urn:schemas-microsoft-com:mac:vml" xmlns:c="http://schemas.openxmlformats.org/drawingml/2006/chart" xmlns:dgm="http://schemas.openxmlformats.org/drawingml/2006/diagram" xmlns:o="urn:schemas-microsoft-com:office:office" xmlns:v="urn:schemas-microsoft-com:vml" xmlns:pvml="urn:schemas-microsoft-com:office:powerpoint" xmlns:com="http://schemas.openxmlformats.org/drawingml/2006/compatibility" xmlns:p15="http://schemas.microsoft.com/office/powerpoint/2012/main" xmlns:ahyp="http://schemas.microsoft.com/office/drawing/2018/hyperlinkcolor">
+    <mc:Fallback xmlns:ahyp="http://schemas.microsoft.com/office/drawing/2018/hyperlinkcolor" xmlns:p15="http://schemas.microsoft.com/office/powerpoint/2012/main" xmlns:com="http://schemas.openxmlformats.org/drawingml/2006/compatibility" xmlns:pvml="urn:schemas-microsoft-com:office:powerpoint" xmlns:v="urn:schemas-microsoft-com:vml" xmlns:o="urn:schemas-microsoft-com:office:office" xmlns:dgm="http://schemas.openxmlformats.org/drawingml/2006/diagram" xmlns:c="http://schemas.openxmlformats.org/drawingml/2006/chart" xmlns:mv="urn:schemas-microsoft-com:mac:vml" xmlns="">
       <p:transition spd="slow">
         <p:fade/>
       </p:transition>
@@ -3134,23 +3134,24 @@
                   <a:schemeClr val="accent2"/>
                 </a:solidFill>
               </a:rPr>
-              <a:t>I.</a:t>
+              <a:t>I.e., actual activity can be higher</a:t>
             </a:r>
-            <a:r>
-              <a:rPr lang="en-US">
-                <a:solidFill>
-                  <a:schemeClr val="accent2"/>
-                </a:solidFill>
-              </a:rPr>
-              <a:t>e., </a:t>
-            </a:r>
+          </a:p>
+          <a:p>
+            <a:endParaRPr lang="en-US" dirty="0">
+              <a:solidFill>
+                <a:schemeClr val="accent2"/>
+              </a:solidFill>
+            </a:endParaRPr>
+          </a:p>
+          <a:p>
             <a:r>
               <a:rPr lang="en-US" dirty="0">
                 <a:solidFill>
                   <a:schemeClr val="accent2"/>
                 </a:solidFill>
               </a:rPr>
-              <a:t>actual activity can be higher</a:t>
+              <a:t>In Collaborations, all ‘@mydre.org’ is removed</a:t>
             </a:r>
             <a:endParaRPr lang="LID4096" dirty="0">
               <a:solidFill>
@@ -3176,7 +3177,7 @@
         <p:fade thruBlk="1"/>
       </p:transition>
     </mc:Choice>
-    <mc:Fallback xmlns="" xmlns:mv="urn:schemas-microsoft-com:mac:vml" xmlns:c="http://schemas.openxmlformats.org/drawingml/2006/chart" xmlns:dgm="http://schemas.openxmlformats.org/drawingml/2006/diagram" xmlns:o="urn:schemas-microsoft-com:office:office" xmlns:v="urn:schemas-microsoft-com:vml" xmlns:pvml="urn:schemas-microsoft-com:office:powerpoint" xmlns:com="http://schemas.openxmlformats.org/drawingml/2006/compatibility" xmlns:p15="http://schemas.microsoft.com/office/powerpoint/2012/main" xmlns:ahyp="http://schemas.microsoft.com/office/drawing/2018/hyperlinkcolor">
+    <mc:Fallback xmlns:ahyp="http://schemas.microsoft.com/office/drawing/2018/hyperlinkcolor" xmlns:p15="http://schemas.microsoft.com/office/powerpoint/2012/main" xmlns:com="http://schemas.openxmlformats.org/drawingml/2006/compatibility" xmlns:pvml="urn:schemas-microsoft-com:office:powerpoint" xmlns:v="urn:schemas-microsoft-com:vml" xmlns:o="urn:schemas-microsoft-com:office:office" xmlns:dgm="http://schemas.openxmlformats.org/drawingml/2006/diagram" xmlns:c="http://schemas.openxmlformats.org/drawingml/2006/chart" xmlns:mv="urn:schemas-microsoft-com:mac:vml" xmlns="">
       <p:transition spd="slow">
         <p:fade/>
       </p:transition>

--- a/myDRE/myDRE Template.pptx
+++ b/myDRE/myDRE Template.pptx
@@ -1498,7 +1498,7 @@
         <p:fade thruBlk="1"/>
       </p:transition>
     </mc:Choice>
-    <mc:Fallback xmlns:ahyp="http://schemas.microsoft.com/office/drawing/2018/hyperlinkcolor" xmlns:p15="http://schemas.microsoft.com/office/powerpoint/2012/main" xmlns:com="http://schemas.openxmlformats.org/drawingml/2006/compatibility" xmlns:pvml="urn:schemas-microsoft-com:office:powerpoint" xmlns:v="urn:schemas-microsoft-com:vml" xmlns:o="urn:schemas-microsoft-com:office:office" xmlns:dgm="http://schemas.openxmlformats.org/drawingml/2006/diagram" xmlns:c="http://schemas.openxmlformats.org/drawingml/2006/chart" xmlns:mv="urn:schemas-microsoft-com:mac:vml" xmlns="">
+    <mc:Fallback xmlns="" xmlns:mv="urn:schemas-microsoft-com:mac:vml" xmlns:c="http://schemas.openxmlformats.org/drawingml/2006/chart" xmlns:dgm="http://schemas.openxmlformats.org/drawingml/2006/diagram" xmlns:o="urn:schemas-microsoft-com:office:office" xmlns:v="urn:schemas-microsoft-com:vml" xmlns:pvml="urn:schemas-microsoft-com:office:powerpoint" xmlns:com="http://schemas.openxmlformats.org/drawingml/2006/compatibility" xmlns:p15="http://schemas.microsoft.com/office/powerpoint/2012/main" xmlns:ahyp="http://schemas.microsoft.com/office/drawing/2018/hyperlinkcolor">
       <p:transition spd="slow">
         <p:fade/>
       </p:transition>
@@ -1632,7 +1632,7 @@
         <p:fade thruBlk="1"/>
       </p:transition>
     </mc:Choice>
-    <mc:Fallback xmlns:ahyp="http://schemas.microsoft.com/office/drawing/2018/hyperlinkcolor" xmlns:p15="http://schemas.microsoft.com/office/powerpoint/2012/main" xmlns:com="http://schemas.openxmlformats.org/drawingml/2006/compatibility" xmlns:pvml="urn:schemas-microsoft-com:office:powerpoint" xmlns:v="urn:schemas-microsoft-com:vml" xmlns:o="urn:schemas-microsoft-com:office:office" xmlns:dgm="http://schemas.openxmlformats.org/drawingml/2006/diagram" xmlns:c="http://schemas.openxmlformats.org/drawingml/2006/chart" xmlns:mv="urn:schemas-microsoft-com:mac:vml" xmlns="">
+    <mc:Fallback xmlns="" xmlns:mv="urn:schemas-microsoft-com:mac:vml" xmlns:c="http://schemas.openxmlformats.org/drawingml/2006/chart" xmlns:dgm="http://schemas.openxmlformats.org/drawingml/2006/diagram" xmlns:o="urn:schemas-microsoft-com:office:office" xmlns:v="urn:schemas-microsoft-com:vml" xmlns:pvml="urn:schemas-microsoft-com:office:powerpoint" xmlns:com="http://schemas.openxmlformats.org/drawingml/2006/compatibility" xmlns:p15="http://schemas.microsoft.com/office/powerpoint/2012/main" xmlns:ahyp="http://schemas.microsoft.com/office/drawing/2018/hyperlinkcolor">
       <p:transition spd="slow">
         <p:fade/>
       </p:transition>
@@ -1674,7 +1674,7 @@
         <p:fade thruBlk="1"/>
       </p:transition>
     </mc:Choice>
-    <mc:Fallback xmlns:ahyp="http://schemas.microsoft.com/office/drawing/2018/hyperlinkcolor" xmlns:p15="http://schemas.microsoft.com/office/powerpoint/2012/main" xmlns:com="http://schemas.openxmlformats.org/drawingml/2006/compatibility" xmlns:pvml="urn:schemas-microsoft-com:office:powerpoint" xmlns:v="urn:schemas-microsoft-com:vml" xmlns:o="urn:schemas-microsoft-com:office:office" xmlns:dgm="http://schemas.openxmlformats.org/drawingml/2006/diagram" xmlns:c="http://schemas.openxmlformats.org/drawingml/2006/chart" xmlns:mv="urn:schemas-microsoft-com:mac:vml" xmlns="">
+    <mc:Fallback xmlns="" xmlns:mv="urn:schemas-microsoft-com:mac:vml" xmlns:c="http://schemas.openxmlformats.org/drawingml/2006/chart" xmlns:dgm="http://schemas.openxmlformats.org/drawingml/2006/diagram" xmlns:o="urn:schemas-microsoft-com:office:office" xmlns:v="urn:schemas-microsoft-com:vml" xmlns:pvml="urn:schemas-microsoft-com:office:powerpoint" xmlns:com="http://schemas.openxmlformats.org/drawingml/2006/compatibility" xmlns:p15="http://schemas.microsoft.com/office/powerpoint/2012/main" xmlns:ahyp="http://schemas.microsoft.com/office/drawing/2018/hyperlinkcolor">
       <p:transition spd="slow">
         <p:fade/>
       </p:transition>
@@ -2196,7 +2196,7 @@
         <p:fade thruBlk="1"/>
       </p:transition>
     </mc:Choice>
-    <mc:Fallback xmlns:ahyp="http://schemas.microsoft.com/office/drawing/2018/hyperlinkcolor" xmlns:p15="http://schemas.microsoft.com/office/powerpoint/2012/main" xmlns:com="http://schemas.openxmlformats.org/drawingml/2006/compatibility" xmlns:pvml="urn:schemas-microsoft-com:office:powerpoint" xmlns:v="urn:schemas-microsoft-com:vml" xmlns:o="urn:schemas-microsoft-com:office:office" xmlns:dgm="http://schemas.openxmlformats.org/drawingml/2006/diagram" xmlns:c="http://schemas.openxmlformats.org/drawingml/2006/chart" xmlns:mv="urn:schemas-microsoft-com:mac:vml" xmlns="">
+    <mc:Fallback xmlns="" xmlns:mv="urn:schemas-microsoft-com:mac:vml" xmlns:c="http://schemas.openxmlformats.org/drawingml/2006/chart" xmlns:dgm="http://schemas.openxmlformats.org/drawingml/2006/diagram" xmlns:o="urn:schemas-microsoft-com:office:office" xmlns:v="urn:schemas-microsoft-com:vml" xmlns:pvml="urn:schemas-microsoft-com:office:powerpoint" xmlns:com="http://schemas.openxmlformats.org/drawingml/2006/compatibility" xmlns:p15="http://schemas.microsoft.com/office/powerpoint/2012/main" xmlns:ahyp="http://schemas.microsoft.com/office/drawing/2018/hyperlinkcolor">
       <p:transition spd="slow">
         <p:fade/>
       </p:transition>
@@ -3068,7 +3068,9 @@
         </p:nvSpPr>
         <p:spPr/>
         <p:txBody>
-          <a:bodyPr/>
+          <a:bodyPr>
+            <a:normAutofit/>
+          </a:bodyPr>
           <a:lstStyle/>
           <a:p>
             <a:r>
@@ -3098,13 +3100,7 @@
           <a:p>
             <a:r>
               <a:rPr lang="en-US" dirty="0"/>
-              <a:t>Ignores ingress activities</a:t>
-            </a:r>
-          </a:p>
-          <a:p>
-            <a:r>
-              <a:rPr lang="en-US" dirty="0"/>
-              <a:t>Ignores egress activities</a:t>
+              <a:t>Ignores INGRESS and EGRESS activities</a:t>
             </a:r>
           </a:p>
           <a:p>
@@ -3151,7 +3147,29 @@
                   <a:schemeClr val="accent2"/>
                 </a:solidFill>
               </a:rPr>
-              <a:t>In Collaborations, all ‘@mydre.org’ is removed</a:t>
+              <a:t>Collaborations – who collaborates with us, who are we collaborating with</a:t>
+            </a:r>
+          </a:p>
+          <a:p>
+            <a:pPr lvl="1"/>
+            <a:r>
+              <a:rPr lang="en-US" dirty="0">
+                <a:solidFill>
+                  <a:schemeClr val="accent2"/>
+                </a:solidFill>
+              </a:rPr>
+              <a:t>Removed all anDREa people</a:t>
+            </a:r>
+          </a:p>
+          <a:p>
+            <a:pPr lvl="1"/>
+            <a:r>
+              <a:rPr lang="en-US" dirty="0">
+                <a:solidFill>
+                  <a:schemeClr val="accent2"/>
+                </a:solidFill>
+              </a:rPr>
+              <a:t>Tenant’s own people</a:t>
             </a:r>
             <a:endParaRPr lang="LID4096" dirty="0">
               <a:solidFill>
@@ -3177,7 +3195,7 @@
         <p:fade thruBlk="1"/>
       </p:transition>
     </mc:Choice>
-    <mc:Fallback xmlns:ahyp="http://schemas.microsoft.com/office/drawing/2018/hyperlinkcolor" xmlns:p15="http://schemas.microsoft.com/office/powerpoint/2012/main" xmlns:com="http://schemas.openxmlformats.org/drawingml/2006/compatibility" xmlns:pvml="urn:schemas-microsoft-com:office:powerpoint" xmlns:v="urn:schemas-microsoft-com:vml" xmlns:o="urn:schemas-microsoft-com:office:office" xmlns:dgm="http://schemas.openxmlformats.org/drawingml/2006/diagram" xmlns:c="http://schemas.openxmlformats.org/drawingml/2006/chart" xmlns:mv="urn:schemas-microsoft-com:mac:vml" xmlns="">
+    <mc:Fallback xmlns="" xmlns:mv="urn:schemas-microsoft-com:mac:vml" xmlns:c="http://schemas.openxmlformats.org/drawingml/2006/chart" xmlns:dgm="http://schemas.openxmlformats.org/drawingml/2006/diagram" xmlns:o="urn:schemas-microsoft-com:office:office" xmlns:v="urn:schemas-microsoft-com:vml" xmlns:pvml="urn:schemas-microsoft-com:office:powerpoint" xmlns:com="http://schemas.openxmlformats.org/drawingml/2006/compatibility" xmlns:p15="http://schemas.microsoft.com/office/powerpoint/2012/main" xmlns:ahyp="http://schemas.microsoft.com/office/drawing/2018/hyperlinkcolor">
       <p:transition spd="slow">
         <p:fade/>
       </p:transition>
